--- a/plan.pptx
+++ b/plan.pptx
@@ -5,7 +5,8 @@
     <p:sldMasterId id="2147483648" r:id="rId1"/>
   </p:sldMasterIdLst>
   <p:sldIdLst>
-    <p:sldId id="256" r:id="rId2"/>
+    <p:sldId id="257" r:id="rId2"/>
+    <p:sldId id="256" r:id="rId3"/>
   </p:sldIdLst>
   <p:sldSz cx="12192000" cy="6858000"/>
   <p:notesSz cx="6858000" cy="9144000"/>
@@ -259,7 +260,7 @@
           <a:p>
             <a:fld id="{02BF4B64-E76D-5F40-86F5-07E822734E31}" type="datetimeFigureOut">
               <a:rPr lang="en-US" smtClean="0"/>
-              <a:t>9/29/21</a:t>
+              <a:t>10/22/21</a:t>
             </a:fld>
             <a:endParaRPr lang="en-US"/>
           </a:p>
@@ -457,7 +458,7 @@
           <a:p>
             <a:fld id="{02BF4B64-E76D-5F40-86F5-07E822734E31}" type="datetimeFigureOut">
               <a:rPr lang="en-US" smtClean="0"/>
-              <a:t>9/29/21</a:t>
+              <a:t>10/22/21</a:t>
             </a:fld>
             <a:endParaRPr lang="en-US"/>
           </a:p>
@@ -665,7 +666,7 @@
           <a:p>
             <a:fld id="{02BF4B64-E76D-5F40-86F5-07E822734E31}" type="datetimeFigureOut">
               <a:rPr lang="en-US" smtClean="0"/>
-              <a:t>9/29/21</a:t>
+              <a:t>10/22/21</a:t>
             </a:fld>
             <a:endParaRPr lang="en-US"/>
           </a:p>
@@ -863,7 +864,7 @@
           <a:p>
             <a:fld id="{02BF4B64-E76D-5F40-86F5-07E822734E31}" type="datetimeFigureOut">
               <a:rPr lang="en-US" smtClean="0"/>
-              <a:t>9/29/21</a:t>
+              <a:t>10/22/21</a:t>
             </a:fld>
             <a:endParaRPr lang="en-US"/>
           </a:p>
@@ -1138,7 +1139,7 @@
           <a:p>
             <a:fld id="{02BF4B64-E76D-5F40-86F5-07E822734E31}" type="datetimeFigureOut">
               <a:rPr lang="en-US" smtClean="0"/>
-              <a:t>9/29/21</a:t>
+              <a:t>10/22/21</a:t>
             </a:fld>
             <a:endParaRPr lang="en-US"/>
           </a:p>
@@ -1403,7 +1404,7 @@
           <a:p>
             <a:fld id="{02BF4B64-E76D-5F40-86F5-07E822734E31}" type="datetimeFigureOut">
               <a:rPr lang="en-US" smtClean="0"/>
-              <a:t>9/29/21</a:t>
+              <a:t>10/22/21</a:t>
             </a:fld>
             <a:endParaRPr lang="en-US"/>
           </a:p>
@@ -1815,7 +1816,7 @@
           <a:p>
             <a:fld id="{02BF4B64-E76D-5F40-86F5-07E822734E31}" type="datetimeFigureOut">
               <a:rPr lang="en-US" smtClean="0"/>
-              <a:t>9/29/21</a:t>
+              <a:t>10/22/21</a:t>
             </a:fld>
             <a:endParaRPr lang="en-US"/>
           </a:p>
@@ -1956,7 +1957,7 @@
           <a:p>
             <a:fld id="{02BF4B64-E76D-5F40-86F5-07E822734E31}" type="datetimeFigureOut">
               <a:rPr lang="en-US" smtClean="0"/>
-              <a:t>9/29/21</a:t>
+              <a:t>10/22/21</a:t>
             </a:fld>
             <a:endParaRPr lang="en-US"/>
           </a:p>
@@ -2069,7 +2070,7 @@
           <a:p>
             <a:fld id="{02BF4B64-E76D-5F40-86F5-07E822734E31}" type="datetimeFigureOut">
               <a:rPr lang="en-US" smtClean="0"/>
-              <a:t>9/29/21</a:t>
+              <a:t>10/22/21</a:t>
             </a:fld>
             <a:endParaRPr lang="en-US"/>
           </a:p>
@@ -2380,7 +2381,7 @@
           <a:p>
             <a:fld id="{02BF4B64-E76D-5F40-86F5-07E822734E31}" type="datetimeFigureOut">
               <a:rPr lang="en-US" smtClean="0"/>
-              <a:t>9/29/21</a:t>
+              <a:t>10/22/21</a:t>
             </a:fld>
             <a:endParaRPr lang="en-US"/>
           </a:p>
@@ -2668,7 +2669,7 @@
           <a:p>
             <a:fld id="{02BF4B64-E76D-5F40-86F5-07E822734E31}" type="datetimeFigureOut">
               <a:rPr lang="en-US" smtClean="0"/>
-              <a:t>9/29/21</a:t>
+              <a:t>10/22/21</a:t>
             </a:fld>
             <a:endParaRPr lang="en-US"/>
           </a:p>
@@ -2909,7 +2910,7 @@
           <a:p>
             <a:fld id="{02BF4B64-E76D-5F40-86F5-07E822734E31}" type="datetimeFigureOut">
               <a:rPr lang="en-US" smtClean="0"/>
-              <a:t>9/29/21</a:t>
+              <a:t>10/22/21</a:t>
             </a:fld>
             <a:endParaRPr lang="en-US"/>
           </a:p>
@@ -3328,6 +3329,143 @@
       </p:grpSpPr>
       <p:sp>
         <p:nvSpPr>
+          <p:cNvPr id="2" name="Title 1">
+            <a:extLst>
+              <a:ext uri="{FF2B5EF4-FFF2-40B4-BE49-F238E27FC236}">
+                <a16:creationId xmlns:a16="http://schemas.microsoft.com/office/drawing/2014/main" id="{E3C807BB-C505-6E46-9B20-4F2A55AA40B9}"/>
+              </a:ext>
+            </a:extLst>
+          </p:cNvPr>
+          <p:cNvSpPr>
+            <a:spLocks noGrp="1"/>
+          </p:cNvSpPr>
+          <p:nvPr>
+            <p:ph type="title"/>
+          </p:nvPr>
+        </p:nvSpPr>
+        <p:spPr/>
+        <p:txBody>
+          <a:bodyPr/>
+          <a:lstStyle/>
+          <a:p>
+            <a:r>
+              <a:rPr lang="en-US" dirty="0"/>
+              <a:t>Peak Calling</a:t>
+            </a:r>
+          </a:p>
+        </p:txBody>
+      </p:sp>
+      <p:sp>
+        <p:nvSpPr>
+          <p:cNvPr id="3" name="Content Placeholder 2">
+            <a:extLst>
+              <a:ext uri="{FF2B5EF4-FFF2-40B4-BE49-F238E27FC236}">
+                <a16:creationId xmlns:a16="http://schemas.microsoft.com/office/drawing/2014/main" id="{168E933A-D7EA-8347-B047-134C0F6CFAF6}"/>
+              </a:ext>
+            </a:extLst>
+          </p:cNvPr>
+          <p:cNvSpPr>
+            <a:spLocks noGrp="1"/>
+          </p:cNvSpPr>
+          <p:nvPr>
+            <p:ph idx="1"/>
+          </p:nvPr>
+        </p:nvSpPr>
+        <p:spPr/>
+        <p:txBody>
+          <a:bodyPr/>
+          <a:lstStyle/>
+          <a:p>
+            <a:r>
+              <a:rPr lang="en-US" dirty="0"/>
+              <a:t>Two-step peak calling using replicates</a:t>
+            </a:r>
+          </a:p>
+          <a:p>
+            <a:pPr lvl="1"/>
+            <a:r>
+              <a:rPr lang="en-US" dirty="0"/>
+              <a:t>Preliminary calling without control</a:t>
+            </a:r>
+          </a:p>
+          <a:p>
+            <a:pPr lvl="1"/>
+            <a:r>
+              <a:rPr lang="en-US" dirty="0" err="1"/>
+              <a:t>EdgeR</a:t>
+            </a:r>
+            <a:r>
+              <a:rPr lang="en-US" dirty="0"/>
+              <a:t> statistical testing using replicates against control samples</a:t>
+            </a:r>
+          </a:p>
+          <a:p>
+            <a:r>
+              <a:rPr lang="en-US" dirty="0"/>
+              <a:t>Motivation</a:t>
+            </a:r>
+          </a:p>
+          <a:p>
+            <a:pPr lvl="1"/>
+            <a:r>
+              <a:rPr lang="en-US" dirty="0"/>
+              <a:t>One of the critical parameter of Homer peak calling is fold-change (-F) over control. But often it is too stringent thereby missing significant signal blocks</a:t>
+            </a:r>
+          </a:p>
+          <a:p>
+            <a:r>
+              <a:rPr lang="en-US" dirty="0"/>
+              <a:t>Goal</a:t>
+            </a:r>
+          </a:p>
+          <a:p>
+            <a:pPr lvl="1"/>
+            <a:r>
+              <a:rPr lang="en-US" dirty="0"/>
+              <a:t>Peak calling with less stringent fold-change cut off</a:t>
+            </a:r>
+          </a:p>
+          <a:p>
+            <a:pPr lvl="1"/>
+            <a:r>
+              <a:rPr lang="en-US" dirty="0"/>
+              <a:t>Introducing FDR calculated from biological replicates</a:t>
+            </a:r>
+          </a:p>
+        </p:txBody>
+      </p:sp>
+    </p:spTree>
+    <p:extLst>
+      <p:ext uri="{BB962C8B-B14F-4D97-AF65-F5344CB8AC3E}">
+        <p14:creationId xmlns:p14="http://schemas.microsoft.com/office/powerpoint/2010/main" val="2772337466"/>
+      </p:ext>
+    </p:extLst>
+  </p:cSld>
+  <p:clrMapOvr>
+    <a:masterClrMapping/>
+  </p:clrMapOvr>
+</p:sld>
+</file>
+
+<file path=ppt/slides/slide2.xml><?xml version="1.0" encoding="utf-8"?>
+<p:sld xmlns:a="http://schemas.openxmlformats.org/drawingml/2006/main" xmlns:r="http://schemas.openxmlformats.org/officeDocument/2006/relationships" xmlns:p="http://schemas.openxmlformats.org/presentationml/2006/main">
+  <p:cSld>
+    <p:spTree>
+      <p:nvGrpSpPr>
+        <p:cNvPr id="1" name=""/>
+        <p:cNvGrpSpPr/>
+        <p:nvPr/>
+      </p:nvGrpSpPr>
+      <p:grpSpPr>
+        <a:xfrm>
+          <a:off x="0" y="0"/>
+          <a:ext cx="0" cy="0"/>
+          <a:chOff x="0" y="0"/>
+          <a:chExt cx="0" cy="0"/>
+        </a:xfrm>
+      </p:grpSpPr>
+      <p:sp>
+        <p:nvSpPr>
           <p:cNvPr id="5" name="Rectangle 4">
             <a:extLst>
               <a:ext uri="{FF2B5EF4-FFF2-40B4-BE49-F238E27FC236}">
@@ -3340,7 +3478,7 @@
         </p:nvSpPr>
         <p:spPr>
           <a:xfrm>
-            <a:off x="794656" y="860116"/>
+            <a:off x="794656" y="1284664"/>
             <a:ext cx="1187215" cy="265671"/>
           </a:xfrm>
           <a:prstGeom prst="rect">
@@ -3390,7 +3528,7 @@
         </p:nvSpPr>
         <p:spPr>
           <a:xfrm>
-            <a:off x="1604120" y="1378919"/>
+            <a:off x="1604120" y="1803467"/>
             <a:ext cx="1187215" cy="265671"/>
           </a:xfrm>
           <a:prstGeom prst="rect">
@@ -3445,7 +3583,7 @@
         </p:nvSpPr>
         <p:spPr>
           <a:xfrm>
-            <a:off x="794656" y="1854176"/>
+            <a:off x="794656" y="2278724"/>
             <a:ext cx="1187215" cy="265671"/>
           </a:xfrm>
           <a:prstGeom prst="rect">
@@ -3494,7 +3632,7 @@
         </p:nvSpPr>
         <p:spPr>
           <a:xfrm>
-            <a:off x="794656" y="2285891"/>
+            <a:off x="794656" y="2710439"/>
             <a:ext cx="1187215" cy="265671"/>
           </a:xfrm>
           <a:prstGeom prst="rect">
@@ -3543,7 +3681,7 @@
         </p:nvSpPr>
         <p:spPr>
           <a:xfrm>
-            <a:off x="1604120" y="2781081"/>
+            <a:off x="1604120" y="3205629"/>
             <a:ext cx="1187215" cy="265671"/>
           </a:xfrm>
           <a:prstGeom prst="rect">
@@ -3599,7 +3737,7 @@
         </p:nvSpPr>
         <p:spPr>
           <a:xfrm>
-            <a:off x="794656" y="3891758"/>
+            <a:off x="794656" y="4316306"/>
             <a:ext cx="1187215" cy="265671"/>
           </a:xfrm>
           <a:prstGeom prst="rect">
@@ -3651,7 +3789,7 @@
         </p:nvCxnSpPr>
         <p:spPr>
           <a:xfrm>
-            <a:off x="1388264" y="1125787"/>
+            <a:off x="1388264" y="1550335"/>
             <a:ext cx="0" cy="728389"/>
           </a:xfrm>
           <a:prstGeom prst="straightConnector1">
@@ -3694,7 +3832,7 @@
         </p:nvCxnSpPr>
         <p:spPr>
           <a:xfrm>
-            <a:off x="1388264" y="2119847"/>
+            <a:off x="1388264" y="2544395"/>
             <a:ext cx="0" cy="166045"/>
           </a:xfrm>
           <a:prstGeom prst="straightConnector1">
@@ -3737,7 +3875,7 @@
         </p:nvCxnSpPr>
         <p:spPr>
           <a:xfrm>
-            <a:off x="1388264" y="2551562"/>
+            <a:off x="1388264" y="2976110"/>
             <a:ext cx="0" cy="758649"/>
           </a:xfrm>
           <a:prstGeom prst="straightConnector1">
@@ -3779,7 +3917,7 @@
         </p:nvCxnSpPr>
         <p:spPr>
           <a:xfrm rot="16200000" flipH="1">
-            <a:off x="1666430" y="847621"/>
+            <a:off x="1666430" y="1272169"/>
             <a:ext cx="253132" cy="809464"/>
           </a:xfrm>
           <a:prstGeom prst="bentConnector3">
@@ -3822,7 +3960,7 @@
         </p:nvCxnSpPr>
         <p:spPr>
           <a:xfrm rot="5400000">
-            <a:off x="1688203" y="1344651"/>
+            <a:off x="1688203" y="1769199"/>
             <a:ext cx="209586" cy="809464"/>
           </a:xfrm>
           <a:prstGeom prst="bentConnector3">
@@ -3863,7 +4001,7 @@
         </p:nvSpPr>
         <p:spPr>
           <a:xfrm>
-            <a:off x="2340941" y="2285893"/>
+            <a:off x="2340941" y="2710441"/>
             <a:ext cx="1187215" cy="265671"/>
           </a:xfrm>
           <a:prstGeom prst="rect">
@@ -3917,7 +4055,7 @@
         </p:nvCxnSpPr>
         <p:spPr>
           <a:xfrm>
-            <a:off x="1981871" y="2418727"/>
+            <a:off x="1981871" y="2843275"/>
             <a:ext cx="359070" cy="2"/>
           </a:xfrm>
           <a:prstGeom prst="straightConnector1">
@@ -3956,7 +4094,7 @@
         </p:nvSpPr>
         <p:spPr>
           <a:xfrm>
-            <a:off x="2340941" y="3758923"/>
+            <a:off x="2340941" y="4183471"/>
             <a:ext cx="1187215" cy="265671"/>
           </a:xfrm>
           <a:prstGeom prst="rect">
@@ -4014,7 +4152,7 @@
         </p:nvCxnSpPr>
         <p:spPr>
           <a:xfrm flipV="1">
-            <a:off x="1981871" y="3891758"/>
+            <a:off x="1981871" y="4316306"/>
             <a:ext cx="359070" cy="132836"/>
           </a:xfrm>
           <a:prstGeom prst="bentConnector3">
@@ -4055,7 +4193,7 @@
         </p:nvSpPr>
         <p:spPr>
           <a:xfrm>
-            <a:off x="2340941" y="4057803"/>
+            <a:off x="2340941" y="4482351"/>
             <a:ext cx="1187215" cy="265671"/>
           </a:xfrm>
           <a:prstGeom prst="rect">
@@ -4108,7 +4246,7 @@
         </p:nvCxnSpPr>
         <p:spPr>
           <a:xfrm>
-            <a:off x="1981871" y="4024594"/>
+            <a:off x="1981871" y="4449142"/>
             <a:ext cx="359070" cy="166045"/>
           </a:xfrm>
           <a:prstGeom prst="bentConnector3">
@@ -4149,7 +4287,7 @@
         </p:nvSpPr>
         <p:spPr>
           <a:xfrm>
-            <a:off x="2340941" y="4481215"/>
+            <a:off x="2340941" y="4905763"/>
             <a:ext cx="1187215" cy="265671"/>
           </a:xfrm>
           <a:prstGeom prst="rect">
@@ -4199,7 +4337,7 @@
         </p:nvSpPr>
         <p:spPr>
           <a:xfrm>
-            <a:off x="2340941" y="4788400"/>
+            <a:off x="2340941" y="5212948"/>
             <a:ext cx="1187215" cy="265671"/>
           </a:xfrm>
           <a:prstGeom prst="rect">
@@ -4253,7 +4391,7 @@
         </p:nvCxnSpPr>
         <p:spPr>
           <a:xfrm rot="16200000" flipH="1">
-            <a:off x="1636291" y="3909401"/>
+            <a:off x="1636291" y="4333949"/>
             <a:ext cx="456622" cy="952678"/>
           </a:xfrm>
           <a:prstGeom prst="bentConnector2">
@@ -4296,7 +4434,7 @@
         </p:nvCxnSpPr>
         <p:spPr>
           <a:xfrm rot="16200000" flipH="1">
-            <a:off x="1482699" y="4062993"/>
+            <a:off x="1482699" y="4487541"/>
             <a:ext cx="763806" cy="952678"/>
           </a:xfrm>
           <a:prstGeom prst="bentConnector2">
@@ -4335,7 +4473,7 @@
         </p:nvSpPr>
         <p:spPr>
           <a:xfrm>
-            <a:off x="3744013" y="3758923"/>
+            <a:off x="3744013" y="4183471"/>
             <a:ext cx="1187215" cy="265671"/>
           </a:xfrm>
           <a:prstGeom prst="rect">
@@ -4392,7 +4530,7 @@
         </p:nvCxnSpPr>
         <p:spPr>
           <a:xfrm>
-            <a:off x="3528156" y="3891758"/>
+            <a:off x="3528156" y="4316306"/>
             <a:ext cx="215857" cy="0"/>
           </a:xfrm>
           <a:prstGeom prst="straightConnector1">
@@ -4431,7 +4569,7 @@
         </p:nvSpPr>
         <p:spPr>
           <a:xfrm>
-            <a:off x="2340941" y="5208325"/>
+            <a:off x="2340941" y="5632873"/>
             <a:ext cx="1187215" cy="265671"/>
           </a:xfrm>
           <a:prstGeom prst="rect">
@@ -4481,7 +4619,7 @@
         </p:nvSpPr>
         <p:spPr>
           <a:xfrm>
-            <a:off x="2340941" y="5515515"/>
+            <a:off x="2340941" y="5940063"/>
             <a:ext cx="1187215" cy="265671"/>
           </a:xfrm>
           <a:prstGeom prst="rect">
@@ -4535,7 +4673,7 @@
         </p:nvCxnSpPr>
         <p:spPr>
           <a:xfrm rot="16200000" flipH="1">
-            <a:off x="1272736" y="4272956"/>
+            <a:off x="1272736" y="4697504"/>
             <a:ext cx="1183732" cy="952677"/>
           </a:xfrm>
           <a:prstGeom prst="bentConnector2">
@@ -4578,7 +4716,7 @@
         </p:nvCxnSpPr>
         <p:spPr>
           <a:xfrm rot="16200000" flipH="1">
-            <a:off x="1119141" y="4426551"/>
+            <a:off x="1119141" y="4851099"/>
             <a:ext cx="1490922" cy="952677"/>
           </a:xfrm>
           <a:prstGeom prst="bentConnector2">
@@ -4617,7 +4755,7 @@
         </p:nvSpPr>
         <p:spPr>
           <a:xfrm>
-            <a:off x="1839686" y="293914"/>
+            <a:off x="1839686" y="718462"/>
             <a:ext cx="899285" cy="369332"/>
           </a:xfrm>
           <a:prstGeom prst="rect">
@@ -4656,7 +4794,7 @@
         </p:nvCxnSpPr>
         <p:spPr>
           <a:xfrm rot="16200000" flipH="1">
-            <a:off x="1678237" y="2261589"/>
+            <a:off x="1678237" y="2686137"/>
             <a:ext cx="229519" cy="809464"/>
           </a:xfrm>
           <a:prstGeom prst="bentConnector3">
@@ -4701,7 +4839,7 @@
         </p:nvCxnSpPr>
         <p:spPr>
           <a:xfrm rot="5400000">
-            <a:off x="1661267" y="2773749"/>
+            <a:off x="1661267" y="3198297"/>
             <a:ext cx="263459" cy="809464"/>
           </a:xfrm>
           <a:prstGeom prst="bentConnector3">
@@ -4742,7 +4880,7 @@
         </p:nvSpPr>
         <p:spPr>
           <a:xfrm>
-            <a:off x="201049" y="212909"/>
+            <a:off x="201049" y="637457"/>
             <a:ext cx="1187215" cy="265671"/>
           </a:xfrm>
           <a:prstGeom prst="rect">
@@ -4797,7 +4935,7 @@
         </p:nvSpPr>
         <p:spPr>
           <a:xfrm>
-            <a:off x="6429534" y="860116"/>
+            <a:off x="6429534" y="1284664"/>
             <a:ext cx="1187215" cy="265671"/>
           </a:xfrm>
           <a:prstGeom prst="rect">
@@ -4847,7 +4985,7 @@
         </p:nvSpPr>
         <p:spPr>
           <a:xfrm>
-            <a:off x="7238998" y="1378919"/>
+            <a:off x="7238998" y="1803467"/>
             <a:ext cx="1187215" cy="265671"/>
           </a:xfrm>
           <a:prstGeom prst="rect">
@@ -4902,7 +5040,7 @@
         </p:nvSpPr>
         <p:spPr>
           <a:xfrm>
-            <a:off x="6429534" y="1854176"/>
+            <a:off x="6429534" y="2278724"/>
             <a:ext cx="1187215" cy="265671"/>
           </a:xfrm>
           <a:prstGeom prst="rect">
@@ -4951,7 +5089,7 @@
         </p:nvSpPr>
         <p:spPr>
           <a:xfrm>
-            <a:off x="7238998" y="2368914"/>
+            <a:off x="7238998" y="2793462"/>
             <a:ext cx="1187215" cy="265671"/>
           </a:xfrm>
           <a:prstGeom prst="rect">
@@ -5007,7 +5145,7 @@
         </p:nvSpPr>
         <p:spPr>
           <a:xfrm>
-            <a:off x="6429534" y="3750243"/>
+            <a:off x="6429534" y="4174791"/>
             <a:ext cx="1187215" cy="265671"/>
           </a:xfrm>
           <a:prstGeom prst="rect">
@@ -5059,7 +5197,7 @@
         </p:nvCxnSpPr>
         <p:spPr>
           <a:xfrm>
-            <a:off x="7023142" y="1125787"/>
+            <a:off x="7023142" y="1550335"/>
             <a:ext cx="0" cy="728389"/>
           </a:xfrm>
           <a:prstGeom prst="straightConnector1">
@@ -5102,7 +5240,7 @@
         </p:nvCxnSpPr>
         <p:spPr>
           <a:xfrm flipH="1">
-            <a:off x="7023141" y="2119847"/>
+            <a:off x="7023141" y="2544395"/>
             <a:ext cx="1" cy="1085208"/>
           </a:xfrm>
           <a:prstGeom prst="straightConnector1">
@@ -5144,7 +5282,7 @@
         </p:nvCxnSpPr>
         <p:spPr>
           <a:xfrm rot="16200000" flipH="1">
-            <a:off x="7301308" y="847621"/>
+            <a:off x="7301308" y="1272169"/>
             <a:ext cx="253132" cy="809464"/>
           </a:xfrm>
           <a:prstGeom prst="bentConnector3">
@@ -5187,7 +5325,7 @@
         </p:nvCxnSpPr>
         <p:spPr>
           <a:xfrm rot="5400000">
-            <a:off x="7323081" y="1344651"/>
+            <a:off x="7323081" y="1769199"/>
             <a:ext cx="209586" cy="809464"/>
           </a:xfrm>
           <a:prstGeom prst="bentConnector3">
@@ -5228,7 +5366,7 @@
         </p:nvSpPr>
         <p:spPr>
           <a:xfrm>
-            <a:off x="7975819" y="4248525"/>
+            <a:off x="7975819" y="4673073"/>
             <a:ext cx="1187215" cy="265671"/>
           </a:xfrm>
           <a:prstGeom prst="rect">
@@ -5278,7 +5416,7 @@
         </p:nvSpPr>
         <p:spPr>
           <a:xfrm>
-            <a:off x="7975819" y="3642460"/>
+            <a:off x="7975819" y="4067008"/>
             <a:ext cx="1187215" cy="265671"/>
           </a:xfrm>
           <a:prstGeom prst="rect">
@@ -5336,7 +5474,7 @@
         </p:nvCxnSpPr>
         <p:spPr>
           <a:xfrm flipV="1">
-            <a:off x="7616749" y="3775296"/>
+            <a:off x="7616749" y="4199844"/>
             <a:ext cx="359070" cy="107783"/>
           </a:xfrm>
           <a:prstGeom prst="bentConnector3">
@@ -5377,7 +5515,7 @@
         </p:nvSpPr>
         <p:spPr>
           <a:xfrm>
-            <a:off x="7975819" y="3941340"/>
+            <a:off x="7975819" y="4365888"/>
             <a:ext cx="1187215" cy="265671"/>
           </a:xfrm>
           <a:prstGeom prst="rect">
@@ -5430,7 +5568,7 @@
         </p:nvCxnSpPr>
         <p:spPr>
           <a:xfrm>
-            <a:off x="7616749" y="3883079"/>
+            <a:off x="7616749" y="4307627"/>
             <a:ext cx="359070" cy="191097"/>
           </a:xfrm>
           <a:prstGeom prst="bentConnector3">
@@ -5471,7 +5609,7 @@
         </p:nvSpPr>
         <p:spPr>
           <a:xfrm>
-            <a:off x="7975819" y="4833286"/>
+            <a:off x="7975819" y="5257834"/>
             <a:ext cx="1187215" cy="265671"/>
           </a:xfrm>
           <a:prstGeom prst="rect">
@@ -5521,7 +5659,7 @@
         </p:nvSpPr>
         <p:spPr>
           <a:xfrm>
-            <a:off x="7975819" y="5140471"/>
+            <a:off x="7975819" y="5565019"/>
             <a:ext cx="1187215" cy="265671"/>
           </a:xfrm>
           <a:prstGeom prst="rect">
@@ -5575,7 +5713,7 @@
         </p:nvCxnSpPr>
         <p:spPr>
           <a:xfrm rot="16200000" flipH="1">
-            <a:off x="7024376" y="4014679"/>
+            <a:off x="7024376" y="4439227"/>
             <a:ext cx="950208" cy="952677"/>
           </a:xfrm>
           <a:prstGeom prst="bentConnector2">
@@ -5618,7 +5756,7 @@
         </p:nvCxnSpPr>
         <p:spPr>
           <a:xfrm rot="16200000" flipH="1">
-            <a:off x="6870784" y="4168271"/>
+            <a:off x="6870784" y="4592819"/>
             <a:ext cx="1257393" cy="952677"/>
           </a:xfrm>
           <a:prstGeom prst="bentConnector2">
@@ -5657,7 +5795,7 @@
         </p:nvSpPr>
         <p:spPr>
           <a:xfrm>
-            <a:off x="9378891" y="3642460"/>
+            <a:off x="9378891" y="4067008"/>
             <a:ext cx="1187215" cy="265671"/>
           </a:xfrm>
           <a:prstGeom prst="rect">
@@ -5714,7 +5852,7 @@
         </p:nvCxnSpPr>
         <p:spPr>
           <a:xfrm>
-            <a:off x="9163034" y="3775295"/>
+            <a:off x="9163034" y="4199843"/>
             <a:ext cx="215857" cy="0"/>
           </a:xfrm>
           <a:prstGeom prst="straightConnector1">
@@ -5753,7 +5891,7 @@
         </p:nvSpPr>
         <p:spPr>
           <a:xfrm>
-            <a:off x="7975819" y="5585448"/>
+            <a:off x="7975819" y="6009996"/>
             <a:ext cx="1187215" cy="265671"/>
           </a:xfrm>
           <a:prstGeom prst="rect">
@@ -5803,7 +5941,7 @@
         </p:nvSpPr>
         <p:spPr>
           <a:xfrm>
-            <a:off x="7975819" y="5892638"/>
+            <a:off x="7975819" y="6317186"/>
             <a:ext cx="1187215" cy="265671"/>
           </a:xfrm>
           <a:prstGeom prst="rect">
@@ -5857,7 +5995,7 @@
         </p:nvCxnSpPr>
         <p:spPr>
           <a:xfrm rot="16200000" flipH="1">
-            <a:off x="6648295" y="4390760"/>
+            <a:off x="6648295" y="4815308"/>
             <a:ext cx="1702370" cy="952677"/>
           </a:xfrm>
           <a:prstGeom prst="bentConnector2">
@@ -5900,7 +6038,7 @@
         </p:nvCxnSpPr>
         <p:spPr>
           <a:xfrm rot="16200000" flipH="1">
-            <a:off x="6494700" y="4544355"/>
+            <a:off x="6494700" y="4968903"/>
             <a:ext cx="2009560" cy="952677"/>
           </a:xfrm>
           <a:prstGeom prst="bentConnector2">
@@ -5943,7 +6081,7 @@
         </p:nvCxnSpPr>
         <p:spPr>
           <a:xfrm rot="16200000" flipH="1">
-            <a:off x="7303341" y="1839648"/>
+            <a:off x="7303341" y="2264196"/>
             <a:ext cx="249067" cy="809464"/>
           </a:xfrm>
           <a:prstGeom prst="bentConnector3">
@@ -5988,7 +6126,7 @@
         </p:nvCxnSpPr>
         <p:spPr>
           <a:xfrm rot="5400000">
-            <a:off x="7142639" y="2515088"/>
+            <a:off x="7142639" y="2939636"/>
             <a:ext cx="570470" cy="809465"/>
           </a:xfrm>
           <a:prstGeom prst="bentConnector3">
@@ -6033,7 +6171,7 @@
         </p:nvCxnSpPr>
         <p:spPr>
           <a:xfrm>
-            <a:off x="7616749" y="3883079"/>
+            <a:off x="7616749" y="4307627"/>
             <a:ext cx="359070" cy="498282"/>
           </a:xfrm>
           <a:prstGeom prst="bentConnector3">
@@ -6074,7 +6212,7 @@
         </p:nvSpPr>
         <p:spPr>
           <a:xfrm>
-            <a:off x="8327570" y="58399"/>
+            <a:off x="8327570" y="482947"/>
             <a:ext cx="3655424" cy="307777"/>
           </a:xfrm>
           <a:prstGeom prst="rect">
@@ -6109,7 +6247,7 @@
         </p:nvSpPr>
         <p:spPr>
           <a:xfrm>
-            <a:off x="7249885" y="334283"/>
+            <a:off x="7249885" y="758831"/>
             <a:ext cx="963725" cy="369332"/>
           </a:xfrm>
           <a:prstGeom prst="rect">
@@ -6144,7 +6282,7 @@
         </p:nvSpPr>
         <p:spPr>
           <a:xfrm>
-            <a:off x="9378890" y="2368913"/>
+            <a:off x="9378890" y="2793461"/>
             <a:ext cx="1187215" cy="265671"/>
           </a:xfrm>
           <a:prstGeom prst="rect">
@@ -6206,7 +6344,7 @@
         </p:nvCxnSpPr>
         <p:spPr>
           <a:xfrm flipV="1">
-            <a:off x="8426213" y="2501749"/>
+            <a:off x="8426213" y="2926297"/>
             <a:ext cx="952677" cy="1"/>
           </a:xfrm>
           <a:prstGeom prst="straightConnector1">
@@ -6245,7 +6383,7 @@
         </p:nvSpPr>
         <p:spPr>
           <a:xfrm>
-            <a:off x="8327569" y="523075"/>
+            <a:off x="8327569" y="947623"/>
             <a:ext cx="3871188" cy="738664"/>
           </a:xfrm>
           <a:prstGeom prst="rect">
@@ -6297,7 +6435,7 @@
         </p:nvSpPr>
         <p:spPr>
           <a:xfrm>
-            <a:off x="794656" y="6056933"/>
+            <a:off x="794656" y="6481481"/>
             <a:ext cx="1187215" cy="265671"/>
           </a:xfrm>
           <a:prstGeom prst="rect">
@@ -6350,7 +6488,7 @@
         </p:nvCxnSpPr>
         <p:spPr>
           <a:xfrm rot="10800000" flipV="1">
-            <a:off x="794656" y="3443047"/>
+            <a:off x="794656" y="3867595"/>
             <a:ext cx="12700" cy="2746722"/>
           </a:xfrm>
           <a:prstGeom prst="bentConnector3">
@@ -6391,7 +6529,7 @@
         </p:nvSpPr>
         <p:spPr>
           <a:xfrm>
-            <a:off x="794656" y="3310211"/>
+            <a:off x="794656" y="3734759"/>
             <a:ext cx="1187215" cy="265671"/>
           </a:xfrm>
           <a:prstGeom prst="rect">
@@ -6444,7 +6582,7 @@
         </p:nvCxnSpPr>
         <p:spPr>
           <a:xfrm>
-            <a:off x="1388264" y="3575882"/>
+            <a:off x="1388264" y="4000430"/>
             <a:ext cx="0" cy="315876"/>
           </a:xfrm>
           <a:prstGeom prst="straightConnector1">
@@ -6483,7 +6621,7 @@
         </p:nvSpPr>
         <p:spPr>
           <a:xfrm>
-            <a:off x="6429533" y="3205055"/>
+            <a:off x="6429533" y="3629603"/>
             <a:ext cx="1187215" cy="265671"/>
           </a:xfrm>
           <a:prstGeom prst="rect">
@@ -6536,7 +6674,7 @@
         </p:nvCxnSpPr>
         <p:spPr>
           <a:xfrm>
-            <a:off x="7023141" y="3470726"/>
+            <a:off x="7023141" y="3895274"/>
             <a:ext cx="1" cy="279517"/>
           </a:xfrm>
           <a:prstGeom prst="straightConnector1">
@@ -6575,7 +6713,7 @@
         </p:nvCxnSpPr>
         <p:spPr>
           <a:xfrm>
-            <a:off x="5998029" y="3072223"/>
+            <a:off x="5998029" y="3496771"/>
             <a:ext cx="4974771" cy="0"/>
           </a:xfrm>
           <a:prstGeom prst="line">
@@ -6603,6 +6741,42 @@
           </a:fontRef>
         </p:style>
       </p:cxnSp>
+      <p:sp>
+        <p:nvSpPr>
+          <p:cNvPr id="2" name="TextBox 1">
+            <a:extLst>
+              <a:ext uri="{FF2B5EF4-FFF2-40B4-BE49-F238E27FC236}">
+                <a16:creationId xmlns:a16="http://schemas.microsoft.com/office/drawing/2014/main" id="{16CF1D30-7D2A-2944-AC32-D66EA8539559}"/>
+              </a:ext>
+            </a:extLst>
+          </p:cNvPr>
+          <p:cNvSpPr txBox="1"/>
+          <p:nvPr/>
+        </p:nvSpPr>
+        <p:spPr>
+          <a:xfrm>
+            <a:off x="73380" y="32906"/>
+            <a:ext cx="1568314" cy="369332"/>
+          </a:xfrm>
+          <a:prstGeom prst="rect">
+            <a:avLst/>
+          </a:prstGeom>
+          <a:noFill/>
+        </p:spPr>
+        <p:txBody>
+          <a:bodyPr wrap="none" rtlCol="0">
+            <a:spAutoFit/>
+          </a:bodyPr>
+          <a:lstStyle/>
+          <a:p>
+            <a:r>
+              <a:rPr lang="en-US" b="1" dirty="0" err="1"/>
+              <a:t>Snakemake.PE</a:t>
+            </a:r>
+            <a:endParaRPr lang="en-US" b="1" dirty="0"/>
+          </a:p>
+        </p:txBody>
+      </p:sp>
     </p:spTree>
     <p:extLst>
       <p:ext uri="{BB962C8B-B14F-4D97-AF65-F5344CB8AC3E}">
